--- a/doc/Intellij IDEA入门到精通（初级篇）.pptx
+++ b/doc/Intellij IDEA入门到精通（初级篇）.pptx
@@ -6,7 +6,10 @@
   </p:sldMasterIdLst>
   <p:sldIdLst>
     <p:sldId id="256" r:id="rId2"/>
-    <p:sldId id="257" r:id="rId3"/>
+    <p:sldId id="260" r:id="rId3"/>
+    <p:sldId id="258" r:id="rId4"/>
+    <p:sldId id="259" r:id="rId5"/>
+    <p:sldId id="257" r:id="rId6"/>
   </p:sldIdLst>
   <p:sldSz cx="12192000" cy="6858000"/>
   <p:notesSz cx="6858000" cy="9144000"/>
@@ -3504,6 +3507,694 @@
       </p:grpSpPr>
       <p:sp>
         <p:nvSpPr>
+          <p:cNvPr id="4" name="文本框 3">
+            <a:extLst>
+              <a:ext uri="{FF2B5EF4-FFF2-40B4-BE49-F238E27FC236}">
+                <a16:creationId xmlns:a16="http://schemas.microsoft.com/office/drawing/2014/main" id="{EC39F32E-8346-4742-9C5A-C99D189C10A2}"/>
+              </a:ext>
+            </a:extLst>
+          </p:cNvPr>
+          <p:cNvSpPr txBox="1"/>
+          <p:nvPr/>
+        </p:nvSpPr>
+        <p:spPr>
+          <a:xfrm>
+            <a:off x="3268559" y="3429000"/>
+            <a:ext cx="7021489" cy="1569660"/>
+          </a:xfrm>
+          <a:prstGeom prst="rect">
+            <a:avLst/>
+          </a:prstGeom>
+          <a:noFill/>
+        </p:spPr>
+        <p:txBody>
+          <a:bodyPr wrap="square" rtlCol="0">
+            <a:spAutoFit/>
+          </a:bodyPr>
+          <a:lstStyle/>
+          <a:p>
+            <a:r>
+              <a:rPr lang="en-US" altLang="zh-CN" sz="9600" b="1" dirty="0" err="1">
+                <a:latin typeface="华文楷体" panose="02010600040101010101" pitchFamily="2" charset="-122"/>
+                <a:ea typeface="华文楷体" panose="02010600040101010101" pitchFamily="2" charset="-122"/>
+              </a:rPr>
+              <a:t>Intellij</a:t>
+            </a:r>
+            <a:r>
+              <a:rPr lang="en-US" altLang="zh-CN" sz="9600" b="1" dirty="0">
+                <a:latin typeface="华文楷体" panose="02010600040101010101" pitchFamily="2" charset="-122"/>
+                <a:ea typeface="华文楷体" panose="02010600040101010101" pitchFamily="2" charset="-122"/>
+              </a:rPr>
+              <a:t>  IDEA</a:t>
+            </a:r>
+            <a:endParaRPr lang="zh-CN" altLang="en-US" sz="9600" b="1" dirty="0">
+              <a:latin typeface="华文楷体" panose="02010600040101010101" pitchFamily="2" charset="-122"/>
+              <a:ea typeface="华文楷体" panose="02010600040101010101" pitchFamily="2" charset="-122"/>
+            </a:endParaRPr>
+          </a:p>
+        </p:txBody>
+      </p:sp>
+      <p:sp>
+        <p:nvSpPr>
+          <p:cNvPr id="5" name="文本框 4">
+            <a:extLst>
+              <a:ext uri="{FF2B5EF4-FFF2-40B4-BE49-F238E27FC236}">
+                <a16:creationId xmlns:a16="http://schemas.microsoft.com/office/drawing/2014/main" id="{CDEEFCA5-2ACC-474D-91E6-D29B95826D20}"/>
+              </a:ext>
+            </a:extLst>
+          </p:cNvPr>
+          <p:cNvSpPr txBox="1"/>
+          <p:nvPr/>
+        </p:nvSpPr>
+        <p:spPr>
+          <a:xfrm>
+            <a:off x="8914558" y="5596882"/>
+            <a:ext cx="2262158" cy="646331"/>
+          </a:xfrm>
+          <a:prstGeom prst="rect">
+            <a:avLst/>
+          </a:prstGeom>
+          <a:noFill/>
+        </p:spPr>
+        <p:txBody>
+          <a:bodyPr wrap="none" rtlCol="0">
+            <a:spAutoFit/>
+          </a:bodyPr>
+          <a:lstStyle/>
+          <a:p>
+            <a:r>
+              <a:rPr lang="zh-CN" altLang="en-US" sz="3600" b="1" dirty="0">
+                <a:latin typeface="华文楷体" panose="02010600040101010101" pitchFamily="2" charset="-122"/>
+                <a:ea typeface="华文楷体" panose="02010600040101010101" pitchFamily="2" charset="-122"/>
+              </a:rPr>
+              <a:t>讲师  阿毅</a:t>
+            </a:r>
+          </a:p>
+        </p:txBody>
+      </p:sp>
+      <p:pic>
+        <p:nvPicPr>
+          <p:cNvPr id="7" name="图形 6" descr="挖掘工具">
+            <a:extLst>
+              <a:ext uri="{FF2B5EF4-FFF2-40B4-BE49-F238E27FC236}">
+                <a16:creationId xmlns:a16="http://schemas.microsoft.com/office/drawing/2014/main" id="{8658D936-C306-446E-9E58-5418F0D6C61A}"/>
+              </a:ext>
+            </a:extLst>
+          </p:cNvPr>
+          <p:cNvPicPr>
+            <a:picLocks noChangeAspect="1"/>
+          </p:cNvPicPr>
+          <p:nvPr/>
+        </p:nvPicPr>
+        <p:blipFill>
+          <a:blip r:embed="rId2">
+            <a:extLst>
+              <a:ext uri="{28A0092B-C50C-407E-A947-70E740481C1C}">
+                <a14:useLocalDpi xmlns:a14="http://schemas.microsoft.com/office/drawing/2010/main" val="0"/>
+              </a:ext>
+              <a:ext uri="{96DAC541-7B7A-43D3-8B79-37D633B846F1}">
+                <asvg:svgBlip xmlns:asvg="http://schemas.microsoft.com/office/drawing/2016/SVG/main" r:embed="rId3"/>
+              </a:ext>
+            </a:extLst>
+          </a:blip>
+          <a:stretch>
+            <a:fillRect/>
+          </a:stretch>
+        </p:blipFill>
+        <p:spPr>
+          <a:xfrm rot="21217916">
+            <a:off x="7671801" y="5572412"/>
+            <a:ext cx="797270" cy="797270"/>
+          </a:xfrm>
+          <a:prstGeom prst="rect">
+            <a:avLst/>
+          </a:prstGeom>
+        </p:spPr>
+      </p:pic>
+      <p:sp>
+        <p:nvSpPr>
+          <p:cNvPr id="6" name="文本框 5">
+            <a:extLst>
+              <a:ext uri="{FF2B5EF4-FFF2-40B4-BE49-F238E27FC236}">
+                <a16:creationId xmlns:a16="http://schemas.microsoft.com/office/drawing/2014/main" id="{2F085DD1-0841-4CF4-83D2-B7E0683A2F74}"/>
+              </a:ext>
+            </a:extLst>
+          </p:cNvPr>
+          <p:cNvSpPr txBox="1"/>
+          <p:nvPr/>
+        </p:nvSpPr>
+        <p:spPr>
+          <a:xfrm>
+            <a:off x="1868023" y="525717"/>
+            <a:ext cx="9434401" cy="2646878"/>
+          </a:xfrm>
+          <a:prstGeom prst="rect">
+            <a:avLst/>
+          </a:prstGeom>
+          <a:noFill/>
+        </p:spPr>
+        <p:txBody>
+          <a:bodyPr wrap="square" rtlCol="0">
+            <a:spAutoFit/>
+          </a:bodyPr>
+          <a:lstStyle/>
+          <a:p>
+            <a:r>
+              <a:rPr lang="zh-CN" altLang="en-US" sz="16600" b="1" dirty="0">
+                <a:latin typeface="华文楷体" panose="02010600040101010101" pitchFamily="2" charset="-122"/>
+                <a:ea typeface="华文楷体" panose="02010600040101010101" pitchFamily="2" charset="-122"/>
+              </a:rPr>
+              <a:t>彻底掌握</a:t>
+            </a:r>
+          </a:p>
+        </p:txBody>
+      </p:sp>
+    </p:spTree>
+    <p:extLst>
+      <p:ext uri="{BB962C8B-B14F-4D97-AF65-F5344CB8AC3E}">
+        <p14:creationId xmlns:p14="http://schemas.microsoft.com/office/powerpoint/2010/main" val="205958884"/>
+      </p:ext>
+    </p:extLst>
+  </p:cSld>
+  <p:clrMapOvr>
+    <a:masterClrMapping/>
+  </p:clrMapOvr>
+</p:sld>
+</file>
+
+<file path=ppt/slides/slide3.xml><?xml version="1.0" encoding="utf-8"?>
+<p:sld xmlns:a="http://schemas.openxmlformats.org/drawingml/2006/main" xmlns:r="http://schemas.openxmlformats.org/officeDocument/2006/relationships" xmlns:p="http://schemas.openxmlformats.org/presentationml/2006/main">
+  <p:cSld>
+    <p:bg>
+      <p:bgPr>
+        <a:solidFill>
+          <a:srgbClr val="00B0F0"/>
+        </a:solidFill>
+        <a:effectLst/>
+      </p:bgPr>
+    </p:bg>
+    <p:spTree>
+      <p:nvGrpSpPr>
+        <p:cNvPr id="1" name=""/>
+        <p:cNvGrpSpPr/>
+        <p:nvPr/>
+      </p:nvGrpSpPr>
+      <p:grpSpPr>
+        <a:xfrm>
+          <a:off x="0" y="0"/>
+          <a:ext cx="0" cy="0"/>
+          <a:chOff x="0" y="0"/>
+          <a:chExt cx="0" cy="0"/>
+        </a:xfrm>
+      </p:grpSpPr>
+      <p:sp>
+        <p:nvSpPr>
+          <p:cNvPr id="4" name="文本框 3">
+            <a:extLst>
+              <a:ext uri="{FF2B5EF4-FFF2-40B4-BE49-F238E27FC236}">
+                <a16:creationId xmlns:a16="http://schemas.microsoft.com/office/drawing/2014/main" id="{EC39F32E-8346-4742-9C5A-C99D189C10A2}"/>
+              </a:ext>
+            </a:extLst>
+          </p:cNvPr>
+          <p:cNvSpPr txBox="1"/>
+          <p:nvPr/>
+        </p:nvSpPr>
+        <p:spPr>
+          <a:xfrm>
+            <a:off x="1286450" y="2198614"/>
+            <a:ext cx="10905550" cy="830997"/>
+          </a:xfrm>
+          <a:prstGeom prst="rect">
+            <a:avLst/>
+          </a:prstGeom>
+          <a:noFill/>
+        </p:spPr>
+        <p:txBody>
+          <a:bodyPr wrap="square" rtlCol="0">
+            <a:spAutoFit/>
+          </a:bodyPr>
+          <a:lstStyle/>
+          <a:p>
+            <a:r>
+              <a:rPr lang="en-US" altLang="zh-CN" sz="4800" b="1" dirty="0">
+                <a:latin typeface="华文楷体" panose="02010600040101010101" pitchFamily="2" charset="-122"/>
+                <a:ea typeface="华文楷体" panose="02010600040101010101" pitchFamily="2" charset="-122"/>
+              </a:rPr>
+              <a:t>1 + 9 + 0 </a:t>
+            </a:r>
+            <a:r>
+              <a:rPr lang="zh-CN" altLang="en-US" sz="4800" b="1" dirty="0">
+                <a:latin typeface="华文楷体" panose="02010600040101010101" pitchFamily="2" charset="-122"/>
+                <a:ea typeface="华文楷体" panose="02010600040101010101" pitchFamily="2" charset="-122"/>
+              </a:rPr>
+              <a:t>：</a:t>
+            </a:r>
+          </a:p>
+        </p:txBody>
+      </p:sp>
+      <p:sp>
+        <p:nvSpPr>
+          <p:cNvPr id="5" name="文本框 4">
+            <a:extLst>
+              <a:ext uri="{FF2B5EF4-FFF2-40B4-BE49-F238E27FC236}">
+                <a16:creationId xmlns:a16="http://schemas.microsoft.com/office/drawing/2014/main" id="{CDEEFCA5-2ACC-474D-91E6-D29B95826D20}"/>
+              </a:ext>
+            </a:extLst>
+          </p:cNvPr>
+          <p:cNvSpPr txBox="1"/>
+          <p:nvPr/>
+        </p:nvSpPr>
+        <p:spPr>
+          <a:xfrm>
+            <a:off x="8304958" y="5596882"/>
+            <a:ext cx="2262158" cy="646331"/>
+          </a:xfrm>
+          <a:prstGeom prst="rect">
+            <a:avLst/>
+          </a:prstGeom>
+          <a:noFill/>
+        </p:spPr>
+        <p:txBody>
+          <a:bodyPr wrap="none" rtlCol="0">
+            <a:spAutoFit/>
+          </a:bodyPr>
+          <a:lstStyle/>
+          <a:p>
+            <a:r>
+              <a:rPr lang="zh-CN" altLang="en-US" sz="3600" b="1" dirty="0">
+                <a:latin typeface="华文楷体" panose="02010600040101010101" pitchFamily="2" charset="-122"/>
+                <a:ea typeface="华文楷体" panose="02010600040101010101" pitchFamily="2" charset="-122"/>
+              </a:rPr>
+              <a:t>讲师  阿毅</a:t>
+            </a:r>
+          </a:p>
+        </p:txBody>
+      </p:sp>
+      <p:pic>
+        <p:nvPicPr>
+          <p:cNvPr id="7" name="图形 6" descr="挖掘工具">
+            <a:extLst>
+              <a:ext uri="{FF2B5EF4-FFF2-40B4-BE49-F238E27FC236}">
+                <a16:creationId xmlns:a16="http://schemas.microsoft.com/office/drawing/2014/main" id="{8658D936-C306-446E-9E58-5418F0D6C61A}"/>
+              </a:ext>
+            </a:extLst>
+          </p:cNvPr>
+          <p:cNvPicPr>
+            <a:picLocks noChangeAspect="1"/>
+          </p:cNvPicPr>
+          <p:nvPr/>
+        </p:nvPicPr>
+        <p:blipFill>
+          <a:blip r:embed="rId2">
+            <a:extLst>
+              <a:ext uri="{28A0092B-C50C-407E-A947-70E740481C1C}">
+                <a14:useLocalDpi xmlns:a14="http://schemas.microsoft.com/office/drawing/2010/main" val="0"/>
+              </a:ext>
+              <a:ext uri="{96DAC541-7B7A-43D3-8B79-37D633B846F1}">
+                <asvg:svgBlip xmlns:asvg="http://schemas.microsoft.com/office/drawing/2016/SVG/main" r:embed="rId3"/>
+              </a:ext>
+            </a:extLst>
+          </a:blip>
+          <a:stretch>
+            <a:fillRect/>
+          </a:stretch>
+        </p:blipFill>
+        <p:spPr>
+          <a:xfrm rot="21217916">
+            <a:off x="6897146" y="5280925"/>
+            <a:ext cx="914400" cy="914400"/>
+          </a:xfrm>
+          <a:prstGeom prst="rect">
+            <a:avLst/>
+          </a:prstGeom>
+        </p:spPr>
+      </p:pic>
+      <p:sp>
+        <p:nvSpPr>
+          <p:cNvPr id="6" name="文本框 5">
+            <a:extLst>
+              <a:ext uri="{FF2B5EF4-FFF2-40B4-BE49-F238E27FC236}">
+                <a16:creationId xmlns:a16="http://schemas.microsoft.com/office/drawing/2014/main" id="{A26BA247-0CDC-4259-95D3-D12FCF548642}"/>
+              </a:ext>
+            </a:extLst>
+          </p:cNvPr>
+          <p:cNvSpPr txBox="1"/>
+          <p:nvPr/>
+        </p:nvSpPr>
+        <p:spPr>
+          <a:xfrm>
+            <a:off x="1286450" y="3732652"/>
+            <a:ext cx="10905550" cy="830997"/>
+          </a:xfrm>
+          <a:prstGeom prst="rect">
+            <a:avLst/>
+          </a:prstGeom>
+          <a:noFill/>
+        </p:spPr>
+        <p:txBody>
+          <a:bodyPr wrap="square" rtlCol="0">
+            <a:spAutoFit/>
+          </a:bodyPr>
+          <a:lstStyle/>
+          <a:p>
+            <a:r>
+              <a:rPr lang="en-US" altLang="zh-CN" sz="4800" b="1" dirty="0">
+                <a:latin typeface="华文楷体" panose="02010600040101010101" pitchFamily="2" charset="-122"/>
+                <a:ea typeface="华文楷体" panose="02010600040101010101" pitchFamily="2" charset="-122"/>
+              </a:rPr>
+              <a:t>1 7 9 7 0  </a:t>
+            </a:r>
+            <a:r>
+              <a:rPr lang="zh-CN" altLang="en-US" sz="4800" b="1" dirty="0">
+                <a:latin typeface="华文楷体" panose="02010600040101010101" pitchFamily="2" charset="-122"/>
+                <a:ea typeface="华文楷体" panose="02010600040101010101" pitchFamily="2" charset="-122"/>
+              </a:rPr>
+              <a:t>：</a:t>
+            </a:r>
+          </a:p>
+        </p:txBody>
+      </p:sp>
+      <p:sp>
+        <p:nvSpPr>
+          <p:cNvPr id="8" name="文本框 7">
+            <a:extLst>
+              <a:ext uri="{FF2B5EF4-FFF2-40B4-BE49-F238E27FC236}">
+                <a16:creationId xmlns:a16="http://schemas.microsoft.com/office/drawing/2014/main" id="{4DBD8BBF-9CAE-487A-BBFF-018E554ED12D}"/>
+              </a:ext>
+            </a:extLst>
+          </p:cNvPr>
+          <p:cNvSpPr txBox="1"/>
+          <p:nvPr/>
+        </p:nvSpPr>
+        <p:spPr>
+          <a:xfrm>
+            <a:off x="643225" y="759787"/>
+            <a:ext cx="10905550" cy="769441"/>
+          </a:xfrm>
+          <a:prstGeom prst="rect">
+            <a:avLst/>
+          </a:prstGeom>
+          <a:noFill/>
+        </p:spPr>
+        <p:txBody>
+          <a:bodyPr wrap="square" rtlCol="0">
+            <a:spAutoFit/>
+          </a:bodyPr>
+          <a:lstStyle/>
+          <a:p>
+            <a:r>
+              <a:rPr lang="zh-CN" altLang="en-US" sz="4400" b="1" dirty="0">
+                <a:latin typeface="华文楷体" panose="02010600040101010101" pitchFamily="2" charset="-122"/>
+                <a:ea typeface="华文楷体" panose="02010600040101010101" pitchFamily="2" charset="-122"/>
+              </a:rPr>
+              <a:t>开心一刻：</a:t>
+            </a:r>
+          </a:p>
+        </p:txBody>
+      </p:sp>
+    </p:spTree>
+    <p:extLst>
+      <p:ext uri="{BB962C8B-B14F-4D97-AF65-F5344CB8AC3E}">
+        <p14:creationId xmlns:p14="http://schemas.microsoft.com/office/powerpoint/2010/main" val="2542833337"/>
+      </p:ext>
+    </p:extLst>
+  </p:cSld>
+  <p:clrMapOvr>
+    <a:masterClrMapping/>
+  </p:clrMapOvr>
+</p:sld>
+</file>
+
+<file path=ppt/slides/slide4.xml><?xml version="1.0" encoding="utf-8"?>
+<p:sld xmlns:a="http://schemas.openxmlformats.org/drawingml/2006/main" xmlns:r="http://schemas.openxmlformats.org/officeDocument/2006/relationships" xmlns:p="http://schemas.openxmlformats.org/presentationml/2006/main">
+  <p:cSld>
+    <p:bg>
+      <p:bgPr>
+        <a:solidFill>
+          <a:srgbClr val="00B0F0"/>
+        </a:solidFill>
+        <a:effectLst/>
+      </p:bgPr>
+    </p:bg>
+    <p:spTree>
+      <p:nvGrpSpPr>
+        <p:cNvPr id="1" name=""/>
+        <p:cNvGrpSpPr/>
+        <p:nvPr/>
+      </p:nvGrpSpPr>
+      <p:grpSpPr>
+        <a:xfrm>
+          <a:off x="0" y="0"/>
+          <a:ext cx="0" cy="0"/>
+          <a:chOff x="0" y="0"/>
+          <a:chExt cx="0" cy="0"/>
+        </a:xfrm>
+      </p:grpSpPr>
+      <p:sp>
+        <p:nvSpPr>
+          <p:cNvPr id="4" name="文本框 3">
+            <a:extLst>
+              <a:ext uri="{FF2B5EF4-FFF2-40B4-BE49-F238E27FC236}">
+                <a16:creationId xmlns:a16="http://schemas.microsoft.com/office/drawing/2014/main" id="{EC39F32E-8346-4742-9C5A-C99D189C10A2}"/>
+              </a:ext>
+            </a:extLst>
+          </p:cNvPr>
+          <p:cNvSpPr txBox="1"/>
+          <p:nvPr/>
+        </p:nvSpPr>
+        <p:spPr>
+          <a:xfrm>
+            <a:off x="1286450" y="2198614"/>
+            <a:ext cx="10905550" cy="830997"/>
+          </a:xfrm>
+          <a:prstGeom prst="rect">
+            <a:avLst/>
+          </a:prstGeom>
+          <a:noFill/>
+        </p:spPr>
+        <p:txBody>
+          <a:bodyPr wrap="square" rtlCol="0">
+            <a:spAutoFit/>
+          </a:bodyPr>
+          <a:lstStyle/>
+          <a:p>
+            <a:r>
+              <a:rPr lang="en-US" altLang="zh-CN" sz="4800" b="1" dirty="0">
+                <a:latin typeface="华文楷体" panose="02010600040101010101" pitchFamily="2" charset="-122"/>
+                <a:ea typeface="华文楷体" panose="02010600040101010101" pitchFamily="2" charset="-122"/>
+              </a:rPr>
+              <a:t>1 + 9 + 0 </a:t>
+            </a:r>
+            <a:r>
+              <a:rPr lang="zh-CN" altLang="en-US" sz="4800" b="1" dirty="0">
+                <a:latin typeface="华文楷体" panose="02010600040101010101" pitchFamily="2" charset="-122"/>
+                <a:ea typeface="华文楷体" panose="02010600040101010101" pitchFamily="2" charset="-122"/>
+              </a:rPr>
+              <a:t>：要嫁就嫁你</a:t>
+            </a:r>
+          </a:p>
+        </p:txBody>
+      </p:sp>
+      <p:sp>
+        <p:nvSpPr>
+          <p:cNvPr id="5" name="文本框 4">
+            <a:extLst>
+              <a:ext uri="{FF2B5EF4-FFF2-40B4-BE49-F238E27FC236}">
+                <a16:creationId xmlns:a16="http://schemas.microsoft.com/office/drawing/2014/main" id="{CDEEFCA5-2ACC-474D-91E6-D29B95826D20}"/>
+              </a:ext>
+            </a:extLst>
+          </p:cNvPr>
+          <p:cNvSpPr txBox="1"/>
+          <p:nvPr/>
+        </p:nvSpPr>
+        <p:spPr>
+          <a:xfrm>
+            <a:off x="8304958" y="5596882"/>
+            <a:ext cx="2262158" cy="646331"/>
+          </a:xfrm>
+          <a:prstGeom prst="rect">
+            <a:avLst/>
+          </a:prstGeom>
+          <a:noFill/>
+        </p:spPr>
+        <p:txBody>
+          <a:bodyPr wrap="none" rtlCol="0">
+            <a:spAutoFit/>
+          </a:bodyPr>
+          <a:lstStyle/>
+          <a:p>
+            <a:r>
+              <a:rPr lang="zh-CN" altLang="en-US" sz="3600" b="1" dirty="0">
+                <a:latin typeface="华文楷体" panose="02010600040101010101" pitchFamily="2" charset="-122"/>
+                <a:ea typeface="华文楷体" panose="02010600040101010101" pitchFamily="2" charset="-122"/>
+              </a:rPr>
+              <a:t>讲师  阿毅</a:t>
+            </a:r>
+          </a:p>
+        </p:txBody>
+      </p:sp>
+      <p:pic>
+        <p:nvPicPr>
+          <p:cNvPr id="7" name="图形 6" descr="挖掘工具">
+            <a:extLst>
+              <a:ext uri="{FF2B5EF4-FFF2-40B4-BE49-F238E27FC236}">
+                <a16:creationId xmlns:a16="http://schemas.microsoft.com/office/drawing/2014/main" id="{8658D936-C306-446E-9E58-5418F0D6C61A}"/>
+              </a:ext>
+            </a:extLst>
+          </p:cNvPr>
+          <p:cNvPicPr>
+            <a:picLocks noChangeAspect="1"/>
+          </p:cNvPicPr>
+          <p:nvPr/>
+        </p:nvPicPr>
+        <p:blipFill>
+          <a:blip r:embed="rId2">
+            <a:extLst>
+              <a:ext uri="{28A0092B-C50C-407E-A947-70E740481C1C}">
+                <a14:useLocalDpi xmlns:a14="http://schemas.microsoft.com/office/drawing/2010/main" val="0"/>
+              </a:ext>
+              <a:ext uri="{96DAC541-7B7A-43D3-8B79-37D633B846F1}">
+                <asvg:svgBlip xmlns:asvg="http://schemas.microsoft.com/office/drawing/2016/SVG/main" r:embed="rId3"/>
+              </a:ext>
+            </a:extLst>
+          </a:blip>
+          <a:stretch>
+            <a:fillRect/>
+          </a:stretch>
+        </p:blipFill>
+        <p:spPr>
+          <a:xfrm rot="21217916">
+            <a:off x="6897146" y="5280925"/>
+            <a:ext cx="914400" cy="914400"/>
+          </a:xfrm>
+          <a:prstGeom prst="rect">
+            <a:avLst/>
+          </a:prstGeom>
+        </p:spPr>
+      </p:pic>
+      <p:sp>
+        <p:nvSpPr>
+          <p:cNvPr id="6" name="文本框 5">
+            <a:extLst>
+              <a:ext uri="{FF2B5EF4-FFF2-40B4-BE49-F238E27FC236}">
+                <a16:creationId xmlns:a16="http://schemas.microsoft.com/office/drawing/2014/main" id="{A26BA247-0CDC-4259-95D3-D12FCF548642}"/>
+              </a:ext>
+            </a:extLst>
+          </p:cNvPr>
+          <p:cNvSpPr txBox="1"/>
+          <p:nvPr/>
+        </p:nvSpPr>
+        <p:spPr>
+          <a:xfrm>
+            <a:off x="1286450" y="3732652"/>
+            <a:ext cx="10905550" cy="830997"/>
+          </a:xfrm>
+          <a:prstGeom prst="rect">
+            <a:avLst/>
+          </a:prstGeom>
+          <a:noFill/>
+        </p:spPr>
+        <p:txBody>
+          <a:bodyPr wrap="square" rtlCol="0">
+            <a:spAutoFit/>
+          </a:bodyPr>
+          <a:lstStyle/>
+          <a:p>
+            <a:r>
+              <a:rPr lang="en-US" altLang="zh-CN" sz="4800" b="1" dirty="0">
+                <a:latin typeface="华文楷体" panose="02010600040101010101" pitchFamily="2" charset="-122"/>
+                <a:ea typeface="华文楷体" panose="02010600040101010101" pitchFamily="2" charset="-122"/>
+              </a:rPr>
+              <a:t>1 7 9 7 0  </a:t>
+            </a:r>
+            <a:r>
+              <a:rPr lang="zh-CN" altLang="en-US" sz="4800" b="1" dirty="0">
+                <a:latin typeface="华文楷体" panose="02010600040101010101" pitchFamily="2" charset="-122"/>
+                <a:ea typeface="华文楷体" panose="02010600040101010101" pitchFamily="2" charset="-122"/>
+              </a:rPr>
+              <a:t>： 要娶就娶你</a:t>
+            </a:r>
+          </a:p>
+        </p:txBody>
+      </p:sp>
+      <p:sp>
+        <p:nvSpPr>
+          <p:cNvPr id="8" name="文本框 7">
+            <a:extLst>
+              <a:ext uri="{FF2B5EF4-FFF2-40B4-BE49-F238E27FC236}">
+                <a16:creationId xmlns:a16="http://schemas.microsoft.com/office/drawing/2014/main" id="{4DBD8BBF-9CAE-487A-BBFF-018E554ED12D}"/>
+              </a:ext>
+            </a:extLst>
+          </p:cNvPr>
+          <p:cNvSpPr txBox="1"/>
+          <p:nvPr/>
+        </p:nvSpPr>
+        <p:spPr>
+          <a:xfrm>
+            <a:off x="643225" y="759787"/>
+            <a:ext cx="10905550" cy="769441"/>
+          </a:xfrm>
+          <a:prstGeom prst="rect">
+            <a:avLst/>
+          </a:prstGeom>
+          <a:noFill/>
+        </p:spPr>
+        <p:txBody>
+          <a:bodyPr wrap="square" rtlCol="0">
+            <a:spAutoFit/>
+          </a:bodyPr>
+          <a:lstStyle/>
+          <a:p>
+            <a:r>
+              <a:rPr lang="zh-CN" altLang="en-US" sz="4400" b="1" dirty="0">
+                <a:latin typeface="华文楷体" panose="02010600040101010101" pitchFamily="2" charset="-122"/>
+                <a:ea typeface="华文楷体" panose="02010600040101010101" pitchFamily="2" charset="-122"/>
+              </a:rPr>
+              <a:t>开心一刻：</a:t>
+            </a:r>
+          </a:p>
+        </p:txBody>
+      </p:sp>
+    </p:spTree>
+    <p:extLst>
+      <p:ext uri="{BB962C8B-B14F-4D97-AF65-F5344CB8AC3E}">
+        <p14:creationId xmlns:p14="http://schemas.microsoft.com/office/powerpoint/2010/main" val="3360687497"/>
+      </p:ext>
+    </p:extLst>
+  </p:cSld>
+  <p:clrMapOvr>
+    <a:masterClrMapping/>
+  </p:clrMapOvr>
+</p:sld>
+</file>
+
+<file path=ppt/slides/slide5.xml><?xml version="1.0" encoding="utf-8"?>
+<p:sld xmlns:a="http://schemas.openxmlformats.org/drawingml/2006/main" xmlns:r="http://schemas.openxmlformats.org/officeDocument/2006/relationships" xmlns:p="http://schemas.openxmlformats.org/presentationml/2006/main">
+  <p:cSld>
+    <p:bg>
+      <p:bgPr>
+        <a:solidFill>
+          <a:srgbClr val="00B0F0"/>
+        </a:solidFill>
+        <a:effectLst/>
+      </p:bgPr>
+    </p:bg>
+    <p:spTree>
+      <p:nvGrpSpPr>
+        <p:cNvPr id="1" name=""/>
+        <p:cNvGrpSpPr/>
+        <p:nvPr/>
+      </p:nvGrpSpPr>
+      <p:grpSpPr>
+        <a:xfrm>
+          <a:off x="0" y="0"/>
+          <a:ext cx="0" cy="0"/>
+          <a:chOff x="0" y="0"/>
+          <a:chExt cx="0" cy="0"/>
+        </a:xfrm>
+      </p:grpSpPr>
+      <p:sp>
+        <p:nvSpPr>
           <p:cNvPr id="6" name="文本框 5">
             <a:extLst>
               <a:ext uri="{FF2B5EF4-FFF2-40B4-BE49-F238E27FC236}">
